--- a/教学课件/14.第十四课  Unity中的数学.pptx
+++ b/教学课件/14.第十四课  Unity中的数学.pptx
@@ -6388,7 +6388,7 @@
         </p:spPr>
         <p:txBody>
           <a:bodyPr>
-            <a:normAutofit lnSpcReduction="20000"/>
+            <a:normAutofit fontScale="90000" lnSpcReduction="20000"/>
           </a:bodyPr>
           <a:p>
             <a:pPr marL="0" indent="0">
@@ -6753,6 +6753,40 @@
                 </a:solidFill>
               </a:rPr>
               <a:t>度</a:t>
+            </a:r>
+            <a:endParaRPr lang="zh-CN" altLang="en-US" sz="2400">
+              <a:solidFill>
+                <a:srgbClr val="FF0000"/>
+              </a:solidFill>
+            </a:endParaRPr>
+          </a:p>
+          <a:p>
+            <a:pPr marL="0" indent="0">
+              <a:buNone/>
+            </a:pPr>
+            <a:r>
+              <a:rPr lang="zh-CN" altLang="en-US" sz="2400">
+                <a:solidFill>
+                  <a:srgbClr val="FF0000"/>
+                </a:solidFill>
+              </a:rPr>
+              <a:t>点乘</a:t>
+            </a:r>
+            <a:r>
+              <a:rPr lang="en-US" altLang="zh-CN" sz="2400">
+                <a:solidFill>
+                  <a:srgbClr val="FF0000"/>
+                </a:solidFill>
+              </a:rPr>
+              <a:t>=0</a:t>
+            </a:r>
+            <a:r>
+              <a:rPr lang="zh-CN" altLang="en-US" sz="2400">
+                <a:solidFill>
+                  <a:srgbClr val="FF0000"/>
+                </a:solidFill>
+              </a:rPr>
+              <a:t>，两个向量垂直</a:t>
             </a:r>
             <a:endParaRPr lang="zh-CN" altLang="en-US" sz="2400">
               <a:solidFill>

--- a/教学课件/14.第十四课  Unity中的数学.pptx
+++ b/教学课件/14.第十四课  Unity中的数学.pptx
@@ -6822,7 +6822,15 @@
                   <a:srgbClr val="FF0000"/>
                 </a:solidFill>
               </a:rPr>
-              <a:t>: </a:t>
+              <a:t>:</a:t>
+            </a:r>
+            <a:r>
+              <a:rPr lang="en-US" altLang="zh-CN" sz="2400" b="1">
+                <a:solidFill>
+                  <a:srgbClr val="FF0000"/>
+                </a:solidFill>
+              </a:rPr>
+              <a:t> Vector3.Angle</a:t>
             </a:r>
             <a:r>
               <a:rPr lang="en-US" altLang="zh-CN" sz="2400">
@@ -6830,7 +6838,7 @@
                   <a:srgbClr val="FF0000"/>
                 </a:solidFill>
               </a:rPr>
-              <a:t>Vector3.Angle(vec1, vec2)//两个向量之间的夹角(0, 180)</a:t>
+              <a:t>(vec1, vec2)//两个向量之间的夹角(0, 180)</a:t>
             </a:r>
             <a:endParaRPr lang="en-US" altLang="zh-CN" sz="2400">
               <a:solidFill>
@@ -8589,6 +8597,18 @@
               <a:rPr lang="zh-CN" altLang="en-US" sz="2000">
                 <a:sym typeface="+mn-ea"/>
               </a:rPr>
+              <a:t>对象</a:t>
+            </a:r>
+            <a:r>
+              <a:rPr lang="en-US" altLang="zh-CN" sz="2000">
+                <a:sym typeface="+mn-ea"/>
+              </a:rPr>
+              <a:t>.</a:t>
+            </a:r>
+            <a:r>
+              <a:rPr lang="zh-CN" altLang="en-US" sz="2000">
+                <a:sym typeface="+mn-ea"/>
+              </a:rPr>
               <a:t>eulerAngles; 返回四元数对应的欧拉角</a:t>
             </a:r>
             <a:endParaRPr lang="zh-CN" altLang="en-US" sz="2000">
@@ -9972,64 +9992,6 @@
               </a:lnSpc>
               <a:buNone/>
             </a:pPr>
-            <a:r>
-              <a:rPr lang="zh-CN" altLang="en-US" sz="2400"/>
-              <a:t>在插值运算中</a:t>
-            </a:r>
-            <a:r>
-              <a:rPr lang="en-US" altLang="zh-CN" sz="2400"/>
-              <a:t>, val</a:t>
-            </a:r>
-            <a:r>
-              <a:rPr lang="zh-CN" altLang="en-US" sz="2400"/>
-              <a:t>会不断的逼近</a:t>
-            </a:r>
-            <a:r>
-              <a:rPr lang="en-US" altLang="zh-CN" sz="2400"/>
-              <a:t>target,</a:t>
-            </a:r>
-            <a:r>
-              <a:rPr lang="zh-CN" altLang="en-US" sz="2400"/>
-              <a:t>但是永远不会达到</a:t>
-            </a:r>
-            <a:r>
-              <a:rPr lang="en-US" altLang="zh-CN" sz="2400"/>
-              <a:t>target.</a:t>
-            </a:r>
-            <a:r>
-              <a:rPr lang="zh-CN" altLang="en-US" sz="2400"/>
-              <a:t>其中</a:t>
-            </a:r>
-            <a:r>
-              <a:rPr lang="en-US" altLang="zh-CN" sz="2400">
-                <a:sym typeface="+mn-ea"/>
-              </a:rPr>
-              <a:t>delta</a:t>
-            </a:r>
-            <a:r>
-              <a:rPr lang="zh-CN" altLang="en-US" sz="2400">
-                <a:sym typeface="+mn-ea"/>
-              </a:rPr>
-              <a:t>参数可以理解成</a:t>
-            </a:r>
-            <a:r>
-              <a:rPr lang="en-US" altLang="zh-CN" sz="2400">
-                <a:sym typeface="+mn-ea"/>
-              </a:rPr>
-              <a:t>val</a:t>
-            </a:r>
-            <a:r>
-              <a:rPr lang="zh-CN" altLang="en-US" sz="2400">
-                <a:sym typeface="+mn-ea"/>
-              </a:rPr>
-              <a:t>的变化速率</a:t>
-            </a:r>
-            <a:r>
-              <a:rPr lang="en-US" altLang="zh-CN" sz="2400">
-                <a:sym typeface="+mn-ea"/>
-              </a:rPr>
-              <a:t>.</a:t>
-            </a:r>
             <a:endParaRPr lang="en-US" altLang="zh-CN" sz="2400">
               <a:sym typeface="+mn-ea"/>
             </a:endParaRPr>

--- a/教学课件/14.第十四课  Unity中的数学.pptx
+++ b/教学课件/14.第十四课  Unity中的数学.pptx
@@ -24,8 +24,8 @@
     <p:sldId id="269" r:id="rId19"/>
     <p:sldId id="270" r:id="rId20"/>
     <p:sldId id="271" r:id="rId21"/>
-    <p:sldId id="272" r:id="rId22"/>
-    <p:sldId id="273" r:id="rId23"/>
+    <p:sldId id="273" r:id="rId22"/>
+    <p:sldId id="272" r:id="rId23"/>
     <p:sldId id="282" r:id="rId24"/>
     <p:sldId id="274" r:id="rId25"/>
     <p:sldId id="319" r:id="rId26"/>
@@ -5494,7 +5494,7 @@
         </p:blipFill>
         <p:spPr>
           <a:xfrm>
-            <a:off x="5637530" y="4469130"/>
+            <a:off x="8473440" y="4357370"/>
             <a:ext cx="2997200" cy="2388870"/>
           </a:xfrm>
           <a:prstGeom prst="rect">
@@ -6344,7 +6344,7 @@
         </p:blipFill>
         <p:spPr>
           <a:xfrm>
-            <a:off x="7943850" y="3105150"/>
+            <a:off x="7497445" y="2983230"/>
             <a:ext cx="4248150" cy="3752850"/>
           </a:xfrm>
           <a:prstGeom prst="rect">
@@ -7044,201 +7044,316 @@
         </p:nvSpPr>
         <p:spPr>
           <a:xfrm>
-            <a:off x="838200" y="98425"/>
-            <a:ext cx="10515600" cy="6598285"/>
+            <a:off x="838200" y="248285"/>
+            <a:ext cx="10515600" cy="5928995"/>
           </a:xfrm>
         </p:spPr>
         <p:txBody>
-          <a:bodyPr/>
+          <a:bodyPr>
+            <a:normAutofit fontScale="90000" lnSpcReduction="20000"/>
+          </a:bodyPr>
           <a:p>
             <a:pPr marL="0" indent="0">
               <a:buNone/>
             </a:pPr>
             <a:r>
-              <a:rPr lang="zh-CN" altLang="en-US" b="1">
-                <a:sym typeface="+mn-ea"/>
-              </a:rPr>
-              <a:t>投影</a:t>
-            </a:r>
-            <a:endParaRPr lang="zh-CN" altLang="en-US" b="1">
-              <a:solidFill>
-                <a:schemeClr val="tx1"/>
-              </a:solidFill>
-            </a:endParaRPr>
+              <a:rPr lang="zh-CN" altLang="en-US" sz="3200" b="1"/>
+              <a:t>向量的叉乘</a:t>
+            </a:r>
+            <a:endParaRPr lang="zh-CN" altLang="en-US" sz="3200" b="1"/>
           </a:p>
           <a:p>
             <a:pPr marL="0" indent="0" fontAlgn="auto">
               <a:lnSpc>
-                <a:spcPct val="150000"/>
-              </a:lnSpc>
-              <a:buNone/>
-            </a:pPr>
+                <a:spcPct val="100000"/>
+              </a:lnSpc>
+              <a:buNone/>
+            </a:pPr>
+            <a:r>
+              <a:rPr lang="zh-CN" altLang="en-US" sz="2400">
+                <a:solidFill>
+                  <a:srgbClr val="FF0000"/>
+                </a:solidFill>
+              </a:rPr>
+              <a:t>叉乘得到的</a:t>
+            </a:r>
+            <a:r>
+              <a:rPr lang="zh-CN" altLang="en-US" sz="2400" b="1">
+                <a:solidFill>
+                  <a:srgbClr val="FF0000"/>
+                </a:solidFill>
+              </a:rPr>
+              <a:t>向量</a:t>
+            </a:r>
+            <a:r>
+              <a:rPr lang="zh-CN" altLang="en-US" sz="2400">
+                <a:solidFill>
+                  <a:srgbClr val="FF0000"/>
+                </a:solidFill>
+              </a:rPr>
+              <a:t>垂直于原来的两个向量</a:t>
+            </a:r>
             <a:r>
               <a:rPr lang="en-US" altLang="zh-CN" sz="2400">
                 <a:solidFill>
                   <a:srgbClr val="FF0000"/>
                 </a:solidFill>
-                <a:sym typeface="+mn-ea"/>
-              </a:rPr>
-              <a:t>Vector3.Project（vector1，vector2</a:t>
-            </a:r>
-            <a:r>
-              <a:rPr lang="en-US" altLang="zh-CN" sz="2400">
-                <a:solidFill>
-                  <a:srgbClr val="FF0000"/>
-                </a:solidFill>
-                <a:sym typeface="+mn-ea"/>
-              </a:rPr>
-              <a:t>）返回一个向量在指定轴上的</a:t>
-            </a:r>
-            <a:r>
-              <a:rPr lang="en-US" altLang="zh-CN" sz="2400" b="1">
-                <a:solidFill>
-                  <a:srgbClr val="FF0000"/>
-                </a:solidFill>
-                <a:sym typeface="+mn-ea"/>
-              </a:rPr>
-              <a:t>投影</a:t>
-            </a:r>
-            <a:r>
-              <a:rPr lang="zh-CN" altLang="en-US" sz="2400" b="1">
-                <a:solidFill>
-                  <a:srgbClr val="FF0000"/>
-                </a:solidFill>
-                <a:sym typeface="+mn-ea"/>
-              </a:rPr>
-              <a:t>向量</a:t>
-            </a:r>
-            <a:r>
-              <a:rPr lang="zh-CN" altLang="en-US" sz="2400">
-                <a:solidFill>
-                  <a:srgbClr val="FF0000"/>
-                </a:solidFill>
-                <a:sym typeface="+mn-ea"/>
-              </a:rPr>
-              <a:t>。</a:t>
+              </a:rPr>
+              <a:t>.</a:t>
             </a:r>
             <a:endParaRPr lang="en-US" altLang="zh-CN" sz="2400">
               <a:solidFill>
                 <a:srgbClr val="FF0000"/>
               </a:solidFill>
-              <a:sym typeface="+mn-ea"/>
             </a:endParaRPr>
           </a:p>
           <a:p>
             <a:pPr marL="0" indent="0" fontAlgn="auto">
               <a:lnSpc>
-                <a:spcPct val="150000"/>
-              </a:lnSpc>
-              <a:buNone/>
-            </a:pPr>
+                <a:spcPct val="100000"/>
+              </a:lnSpc>
+              <a:buNone/>
+            </a:pPr>
+            <a:r>
+              <a:rPr lang="en-US" altLang="zh-CN" sz="2400"/>
+              <a:t>Vector3.</a:t>
+            </a:r>
             <a:r>
               <a:rPr lang="en-US" altLang="zh-CN" sz="2400">
-                <a:sym typeface="+mn-ea"/>
-              </a:rPr>
-              <a:t>在Unity中经常使用一个向量a乘</a:t>
+                <a:solidFill>
+                  <a:srgbClr val="FF0000"/>
+                </a:solidFill>
+              </a:rPr>
+              <a:t>Cross</a:t>
+            </a:r>
+            <a:r>
+              <a:rPr lang="en-US" altLang="zh-CN" sz="2400"/>
+              <a:t>(vec1, vec2);</a:t>
+            </a:r>
+            <a:endParaRPr lang="en-US" altLang="zh-CN" sz="2400"/>
+          </a:p>
+          <a:p>
+            <a:pPr marL="0" indent="0" fontAlgn="auto">
+              <a:lnSpc>
+                <a:spcPct val="100000"/>
+              </a:lnSpc>
+              <a:buNone/>
+            </a:pPr>
+            <a:endParaRPr lang="zh-CN" altLang="en-US" sz="2400"/>
+          </a:p>
+          <a:p>
+            <a:pPr marL="0" indent="0" fontAlgn="auto">
+              <a:lnSpc>
+                <a:spcPct val="100000"/>
+              </a:lnSpc>
+              <a:buNone/>
+            </a:pPr>
+            <a:r>
+              <a:rPr lang="zh-CN" altLang="en-US" sz="2400"/>
+              <a:t>公式：</a:t>
+            </a:r>
+            <a:endParaRPr lang="zh-CN" altLang="en-US" sz="2400"/>
+          </a:p>
+          <a:p>
+            <a:pPr marL="0" indent="0" fontAlgn="auto">
+              <a:lnSpc>
+                <a:spcPct val="100000"/>
+              </a:lnSpc>
+              <a:buNone/>
+            </a:pPr>
+            <a:endParaRPr lang="en-US" altLang="zh-CN" sz="2400"/>
+          </a:p>
+          <a:p>
+            <a:pPr marL="0" indent="0" fontAlgn="auto">
+              <a:lnSpc>
+                <a:spcPct val="100000"/>
+              </a:lnSpc>
+              <a:buNone/>
+            </a:pPr>
+            <a:endParaRPr lang="en-US" altLang="zh-CN" sz="2400"/>
+          </a:p>
+          <a:p>
+            <a:pPr marL="0" indent="0" fontAlgn="auto">
+              <a:lnSpc>
+                <a:spcPct val="100000"/>
+              </a:lnSpc>
+              <a:buNone/>
+            </a:pPr>
+            <a:endParaRPr lang="en-US" altLang="zh-CN" sz="2400"/>
+          </a:p>
+          <a:p>
+            <a:pPr marL="0" indent="0" fontAlgn="auto">
+              <a:lnSpc>
+                <a:spcPct val="100000"/>
+              </a:lnSpc>
+              <a:buNone/>
+            </a:pPr>
+            <a:r>
+              <a:rPr lang="en-US" altLang="zh-CN" sz="2400">
+                <a:solidFill>
+                  <a:srgbClr val="FF0000"/>
+                </a:solidFill>
+              </a:rPr>
+              <a:t>满足反交换律</a:t>
+            </a:r>
+            <a:r>
+              <a:rPr lang="en-US" altLang="zh-CN" sz="2400"/>
+              <a:t>：axb=-(bxa)</a:t>
+            </a:r>
+            <a:r>
+              <a:rPr lang="zh-CN" altLang="en-US" sz="2400"/>
+              <a:t>， </a:t>
             </a:r>
             <a:r>
               <a:rPr lang="zh-CN" altLang="en-US" sz="2400">
-                <a:sym typeface="+mn-ea"/>
-              </a:rPr>
-              <a:t>以</a:t>
+                <a:solidFill>
+                  <a:srgbClr val="FF0000"/>
+                </a:solidFill>
+              </a:rPr>
+              <a:t>不满足结合律</a:t>
+            </a:r>
+            <a:r>
+              <a:rPr lang="zh-CN" altLang="en-US" sz="2400"/>
+              <a:t>，即</a:t>
+            </a:r>
+            <a:r>
+              <a:rPr lang="en-US" altLang="zh-CN" sz="2400"/>
+              <a:t>(</a:t>
+            </a:r>
+            <a:r>
+              <a:rPr lang="zh-CN" altLang="en-US" sz="2400"/>
+              <a:t>a×b</a:t>
+            </a:r>
+            <a:r>
+              <a:rPr lang="en-US" altLang="zh-CN" sz="2400"/>
+              <a:t>)</a:t>
+            </a:r>
+            <a:r>
+              <a:rPr lang="zh-CN" altLang="en-US" sz="2400"/>
+              <a:t>xc不等于a×</a:t>
+            </a:r>
+            <a:r>
+              <a:rPr lang="en-US" altLang="zh-CN" sz="2400"/>
+              <a:t>(</a:t>
+            </a:r>
+            <a:r>
+              <a:rPr lang="zh-CN" altLang="en-US" sz="2400"/>
+              <a:t>b×c</a:t>
+            </a:r>
+            <a:r>
+              <a:rPr lang="en-US" altLang="zh-CN" sz="2400"/>
+              <a:t>).</a:t>
+            </a:r>
+            <a:endParaRPr lang="en-US" altLang="zh-CN" sz="2400"/>
+          </a:p>
+          <a:p>
+            <a:pPr marL="0" indent="0" fontAlgn="auto">
+              <a:lnSpc>
+                <a:spcPct val="100000"/>
+              </a:lnSpc>
+              <a:buNone/>
+            </a:pPr>
+            <a:endParaRPr lang="zh-CN" altLang="en-US" sz="2400"/>
+          </a:p>
+          <a:p>
+            <a:pPr marL="0" indent="0" fontAlgn="auto">
+              <a:lnSpc>
+                <a:spcPct val="100000"/>
+              </a:lnSpc>
+              <a:buNone/>
+            </a:pPr>
+            <a:r>
+              <a:rPr lang="en-US" altLang="zh-CN" sz="2400"/>
+              <a:t>在Unity中通常可以使用叉乘来</a:t>
             </a:r>
             <a:r>
               <a:rPr lang="en-US" altLang="zh-CN" sz="2400">
-                <a:sym typeface="+mn-ea"/>
-              </a:rPr>
-              <a:t>一个单位向量(</a:t>
-            </a:r>
-            <a:r>
-              <a:rPr lang="zh-CN" altLang="en-US" sz="2400">
-                <a:solidFill>
-                  <a:srgbClr val="FF0000"/>
-                </a:solidFill>
-                <a:sym typeface="+mn-ea"/>
-              </a:rPr>
-              <a:t>长度为</a:t>
+                <a:solidFill>
+                  <a:srgbClr val="FF0000"/>
+                </a:solidFill>
+              </a:rPr>
+              <a:t>求出一个平面的法线</a:t>
+            </a:r>
+            <a:r>
+              <a:rPr lang="en-US" altLang="zh-CN" sz="2400"/>
+              <a:t>.</a:t>
+            </a:r>
+            <a:r>
+              <a:rPr lang="zh-CN" altLang="en-US" sz="2400"/>
+              <a:t>主要在图形渲染中运用比</a:t>
+            </a:r>
+            <a:endParaRPr lang="zh-CN" altLang="en-US" sz="2400"/>
+          </a:p>
+          <a:p>
+            <a:pPr marL="0" indent="0" fontAlgn="auto">
+              <a:lnSpc>
+                <a:spcPct val="100000"/>
+              </a:lnSpc>
+              <a:buNone/>
+            </a:pPr>
+            <a:r>
+              <a:rPr lang="zh-CN" altLang="en-US" sz="2400"/>
+              <a:t>较多</a:t>
+            </a:r>
+            <a:r>
+              <a:rPr lang="en-US" altLang="zh-CN" sz="2400"/>
+              <a:t>.</a:t>
+            </a:r>
+            <a:endParaRPr lang="en-US" altLang="zh-CN" sz="2400"/>
+          </a:p>
+          <a:p>
+            <a:pPr marL="0" indent="0" fontAlgn="auto">
+              <a:lnSpc>
+                <a:spcPct val="100000"/>
+              </a:lnSpc>
+              <a:buNone/>
+            </a:pPr>
+            <a:endParaRPr lang="en-US" altLang="zh-CN" sz="2400"/>
+          </a:p>
+          <a:p>
+            <a:pPr marL="0" indent="0" fontAlgn="auto">
+              <a:lnSpc>
+                <a:spcPct val="100000"/>
+              </a:lnSpc>
+              <a:buNone/>
+            </a:pPr>
+            <a:r>
+              <a:rPr lang="en-US" altLang="zh-CN" sz="2400" b="1">
+                <a:sym typeface="+mn-ea"/>
+              </a:rPr>
+              <a:t>法线</a:t>
             </a:r>
             <a:r>
               <a:rPr lang="en-US" altLang="zh-CN" sz="2400">
-                <a:solidFill>
-                  <a:srgbClr val="FF0000"/>
-                </a:solidFill>
-                <a:sym typeface="+mn-ea"/>
-              </a:rPr>
-              <a:t>1</a:t>
-            </a:r>
-            <a:r>
-              <a:rPr lang="zh-CN" altLang="en-US" sz="2400">
-                <a:solidFill>
-                  <a:srgbClr val="FF0000"/>
-                </a:solidFill>
-                <a:sym typeface="+mn-ea"/>
-              </a:rPr>
-              <a:t>的向量</a:t>
-            </a:r>
-            <a:r>
-              <a:rPr lang="en-US" altLang="zh-CN" sz="2400">
-                <a:sym typeface="+mn-ea"/>
-              </a:rPr>
-              <a:t>)，可以求出向量a在这个单位向量上</a:t>
-            </a:r>
-            <a:r>
-              <a:rPr lang="en-US" altLang="zh-CN" sz="2400">
-                <a:solidFill>
-                  <a:srgbClr val="FF0000"/>
-                </a:solidFill>
-                <a:sym typeface="+mn-ea"/>
-              </a:rPr>
-              <a:t>投影的长度</a:t>
-            </a:r>
-            <a:r>
-              <a:rPr lang="en-US" altLang="zh-CN" sz="2400">
-                <a:sym typeface="+mn-ea"/>
-              </a:rPr>
-              <a:t>.</a:t>
+                <a:sym typeface="+mn-ea"/>
+              </a:rPr>
+              <a:t>:是指始终垂直于某平面的直线.</a:t>
             </a:r>
             <a:endParaRPr lang="en-US" altLang="zh-CN" sz="2400">
               <a:sym typeface="+mn-ea"/>
             </a:endParaRPr>
           </a:p>
           <a:p>
-            <a:pPr marL="0" indent="0" fontAlgn="auto">
-              <a:lnSpc>
-                <a:spcPct val="150000"/>
-              </a:lnSpc>
-              <a:buNone/>
-            </a:pPr>
-            <a:r>
-              <a:rPr lang="zh-CN" altLang="en-US" sz="2400">
-                <a:solidFill>
-                  <a:schemeClr val="tx1"/>
-                </a:solidFill>
-              </a:rPr>
-              <a:t>用法</a:t>
-            </a:r>
-            <a:r>
-              <a:rPr lang="en-US" altLang="zh-CN" sz="2400">
-                <a:solidFill>
-                  <a:schemeClr val="tx1"/>
-                </a:solidFill>
-              </a:rPr>
-              <a:t>:</a:t>
-            </a:r>
+            <a:pPr marL="0" indent="0">
+              <a:buNone/>
+            </a:pPr>
             <a:endParaRPr lang="en-US" altLang="zh-CN" sz="2400">
-              <a:solidFill>
-                <a:schemeClr val="tx1"/>
-              </a:solidFill>
+              <a:sym typeface="+mn-ea"/>
             </a:endParaRPr>
           </a:p>
           <a:p>
-            <a:endParaRPr lang="zh-CN" altLang="en-US" sz="2400"/>
+            <a:pPr marL="0" indent="0">
+              <a:buNone/>
+            </a:pPr>
+            <a:endParaRPr lang="en-US" altLang="zh-CN" sz="2400">
+              <a:sym typeface="+mn-ea"/>
+            </a:endParaRPr>
           </a:p>
         </p:txBody>
       </p:sp>
       <p:pic>
         <p:nvPicPr>
-          <p:cNvPr id="4" name="图片 3"/>
+          <p:cNvPr id="2" name="图片 1"/>
           <p:cNvPicPr>
             <a:picLocks noChangeAspect="1"/>
           </p:cNvPicPr>
@@ -7252,32 +7367,8 @@
         </p:blipFill>
         <p:spPr>
           <a:xfrm>
-            <a:off x="6910705" y="3169285"/>
-            <a:ext cx="4846320" cy="3527425"/>
-          </a:xfrm>
-          <a:prstGeom prst="rect">
-            <a:avLst/>
-          </a:prstGeom>
-        </p:spPr>
-      </p:pic>
-      <p:pic>
-        <p:nvPicPr>
-          <p:cNvPr id="5" name="图片 4"/>
-          <p:cNvPicPr>
-            <a:picLocks noChangeAspect="1"/>
-          </p:cNvPicPr>
-          <p:nvPr/>
-        </p:nvPicPr>
-        <p:blipFill>
-          <a:blip r:embed="rId2"/>
-          <a:stretch>
-            <a:fillRect/>
-          </a:stretch>
-        </p:blipFill>
-        <p:spPr>
-          <a:xfrm>
-            <a:off x="838200" y="3467735"/>
-            <a:ext cx="5695950" cy="695325"/>
+            <a:off x="2025650" y="2225675"/>
+            <a:ext cx="3962400" cy="1181100"/>
           </a:xfrm>
           <a:prstGeom prst="rect">
             <a:avLst/>
@@ -7314,316 +7405,95 @@
         </p:nvSpPr>
         <p:spPr>
           <a:xfrm>
-            <a:off x="838200" y="248285"/>
-            <a:ext cx="10515600" cy="5928995"/>
+            <a:off x="838200" y="98425"/>
+            <a:ext cx="10515600" cy="6598285"/>
           </a:xfrm>
         </p:spPr>
         <p:txBody>
-          <a:bodyPr>
-            <a:normAutofit fontScale="90000" lnSpcReduction="20000"/>
-          </a:bodyPr>
+          <a:bodyPr/>
           <a:p>
             <a:pPr marL="0" indent="0">
               <a:buNone/>
             </a:pPr>
             <a:r>
-              <a:rPr lang="zh-CN" altLang="en-US" sz="3200" b="1"/>
-              <a:t>向量的叉乘</a:t>
-            </a:r>
-            <a:endParaRPr lang="zh-CN" altLang="en-US" sz="3200" b="1"/>
+              <a:rPr lang="zh-CN" altLang="en-US" b="1">
+                <a:sym typeface="+mn-ea"/>
+              </a:rPr>
+              <a:t>投影</a:t>
+            </a:r>
+            <a:endParaRPr lang="zh-CN" altLang="en-US" b="1">
+              <a:solidFill>
+                <a:schemeClr val="tx1"/>
+              </a:solidFill>
+            </a:endParaRPr>
           </a:p>
           <a:p>
             <a:pPr marL="0" indent="0" fontAlgn="auto">
               <a:lnSpc>
-                <a:spcPct val="100000"/>
-              </a:lnSpc>
-              <a:buNone/>
-            </a:pPr>
+                <a:spcPct val="150000"/>
+              </a:lnSpc>
+              <a:buNone/>
+            </a:pPr>
+            <a:r>
+              <a:rPr lang="en-US" altLang="zh-CN" sz="2400">
+                <a:solidFill>
+                  <a:srgbClr val="FF0000"/>
+                </a:solidFill>
+                <a:sym typeface="+mn-ea"/>
+              </a:rPr>
+              <a:t>Vector3.Project（vector1，vector2</a:t>
+            </a:r>
+            <a:r>
+              <a:rPr lang="en-US" altLang="zh-CN" sz="2400">
+                <a:solidFill>
+                  <a:srgbClr val="FF0000"/>
+                </a:solidFill>
+                <a:sym typeface="+mn-ea"/>
+              </a:rPr>
+              <a:t>）返回一个向量在指定轴上的</a:t>
+            </a:r>
+            <a:r>
+              <a:rPr lang="en-US" altLang="zh-CN" sz="2400" b="1">
+                <a:solidFill>
+                  <a:srgbClr val="FF0000"/>
+                </a:solidFill>
+                <a:sym typeface="+mn-ea"/>
+              </a:rPr>
+              <a:t>投影</a:t>
+            </a:r>
+            <a:r>
+              <a:rPr lang="zh-CN" altLang="en-US" sz="2400" b="1">
+                <a:solidFill>
+                  <a:srgbClr val="FF0000"/>
+                </a:solidFill>
+                <a:sym typeface="+mn-ea"/>
+              </a:rPr>
+              <a:t>向量</a:t>
+            </a:r>
             <a:r>
               <a:rPr lang="zh-CN" altLang="en-US" sz="2400">
                 <a:solidFill>
                   <a:srgbClr val="FF0000"/>
                 </a:solidFill>
-              </a:rPr>
-              <a:t>叉乘得到的</a:t>
-            </a:r>
-            <a:r>
-              <a:rPr lang="zh-CN" altLang="en-US" sz="2400" b="1">
-                <a:solidFill>
-                  <a:srgbClr val="FF0000"/>
-                </a:solidFill>
-              </a:rPr>
-              <a:t>向量</a:t>
-            </a:r>
-            <a:r>
-              <a:rPr lang="zh-CN" altLang="en-US" sz="2400">
-                <a:solidFill>
-                  <a:srgbClr val="FF0000"/>
-                </a:solidFill>
-              </a:rPr>
-              <a:t>垂直于原来的两个向量</a:t>
-            </a:r>
-            <a:r>
-              <a:rPr lang="en-US" altLang="zh-CN" sz="2400">
-                <a:solidFill>
-                  <a:srgbClr val="FF0000"/>
-                </a:solidFill>
-              </a:rPr>
-              <a:t>.</a:t>
+                <a:sym typeface="+mn-ea"/>
+              </a:rPr>
+              <a:t>。</a:t>
             </a:r>
             <a:endParaRPr lang="en-US" altLang="zh-CN" sz="2400">
               <a:solidFill>
                 <a:srgbClr val="FF0000"/>
               </a:solidFill>
-            </a:endParaRPr>
-          </a:p>
-          <a:p>
-            <a:pPr marL="0" indent="0" fontAlgn="auto">
-              <a:lnSpc>
-                <a:spcPct val="100000"/>
-              </a:lnSpc>
-              <a:buNone/>
-            </a:pPr>
-            <a:r>
-              <a:rPr lang="en-US" altLang="zh-CN" sz="2400"/>
-              <a:t>Vector3.</a:t>
-            </a:r>
-            <a:r>
-              <a:rPr lang="en-US" altLang="zh-CN" sz="2400">
-                <a:solidFill>
-                  <a:srgbClr val="FF0000"/>
-                </a:solidFill>
-              </a:rPr>
-              <a:t>Cross</a:t>
-            </a:r>
-            <a:r>
-              <a:rPr lang="en-US" altLang="zh-CN" sz="2400"/>
-              <a:t>(vec1, vec2);</a:t>
-            </a:r>
-            <a:endParaRPr lang="en-US" altLang="zh-CN" sz="2400"/>
-          </a:p>
-          <a:p>
-            <a:pPr marL="0" indent="0" fontAlgn="auto">
-              <a:lnSpc>
-                <a:spcPct val="100000"/>
-              </a:lnSpc>
-              <a:buNone/>
-            </a:pPr>
-            <a:endParaRPr lang="zh-CN" altLang="en-US" sz="2400"/>
-          </a:p>
-          <a:p>
-            <a:pPr marL="0" indent="0" fontAlgn="auto">
-              <a:lnSpc>
-                <a:spcPct val="100000"/>
-              </a:lnSpc>
-              <a:buNone/>
-            </a:pPr>
-            <a:r>
-              <a:rPr lang="zh-CN" altLang="en-US" sz="2400"/>
-              <a:t>公式：</a:t>
-            </a:r>
-            <a:endParaRPr lang="zh-CN" altLang="en-US" sz="2400"/>
-          </a:p>
-          <a:p>
-            <a:pPr marL="0" indent="0" fontAlgn="auto">
-              <a:lnSpc>
-                <a:spcPct val="100000"/>
-              </a:lnSpc>
-              <a:buNone/>
-            </a:pPr>
-            <a:endParaRPr lang="en-US" altLang="zh-CN" sz="2400"/>
-          </a:p>
-          <a:p>
-            <a:pPr marL="0" indent="0" fontAlgn="auto">
-              <a:lnSpc>
-                <a:spcPct val="100000"/>
-              </a:lnSpc>
-              <a:buNone/>
-            </a:pPr>
-            <a:endParaRPr lang="en-US" altLang="zh-CN" sz="2400"/>
-          </a:p>
-          <a:p>
-            <a:pPr marL="0" indent="0" fontAlgn="auto">
-              <a:lnSpc>
-                <a:spcPct val="100000"/>
-              </a:lnSpc>
-              <a:buNone/>
-            </a:pPr>
-            <a:endParaRPr lang="en-US" altLang="zh-CN" sz="2400"/>
-          </a:p>
-          <a:p>
-            <a:pPr marL="0" indent="0" fontAlgn="auto">
-              <a:lnSpc>
-                <a:spcPct val="100000"/>
-              </a:lnSpc>
-              <a:buNone/>
-            </a:pPr>
-            <a:r>
-              <a:rPr lang="en-US" altLang="zh-CN" sz="2400">
-                <a:solidFill>
-                  <a:srgbClr val="FF0000"/>
-                </a:solidFill>
-              </a:rPr>
-              <a:t>满足反交换律</a:t>
-            </a:r>
-            <a:r>
-              <a:rPr lang="en-US" altLang="zh-CN" sz="2400"/>
-              <a:t>：axb=-(bxa)</a:t>
-            </a:r>
-            <a:r>
-              <a:rPr lang="zh-CN" altLang="en-US" sz="2400"/>
-              <a:t>， </a:t>
-            </a:r>
-            <a:r>
-              <a:rPr lang="zh-CN" altLang="en-US" sz="2400">
-                <a:solidFill>
-                  <a:srgbClr val="FF0000"/>
-                </a:solidFill>
-              </a:rPr>
-              <a:t>不满足结合律</a:t>
-            </a:r>
-            <a:r>
-              <a:rPr lang="zh-CN" altLang="en-US" sz="2400"/>
-              <a:t>，即</a:t>
-            </a:r>
-            <a:r>
-              <a:rPr lang="en-US" altLang="zh-CN" sz="2400"/>
-              <a:t>(</a:t>
-            </a:r>
-            <a:r>
-              <a:rPr lang="zh-CN" altLang="en-US" sz="2400"/>
-              <a:t>a×b</a:t>
-            </a:r>
-            <a:r>
-              <a:rPr lang="en-US" altLang="zh-CN" sz="2400"/>
-              <a:t>)</a:t>
-            </a:r>
-            <a:r>
-              <a:rPr lang="zh-CN" altLang="en-US" sz="2400"/>
-              <a:t>xc不等于a×</a:t>
-            </a:r>
-            <a:r>
-              <a:rPr lang="en-US" altLang="zh-CN" sz="2400"/>
-              <a:t>(</a:t>
-            </a:r>
-            <a:r>
-              <a:rPr lang="zh-CN" altLang="en-US" sz="2400"/>
-              <a:t>b×c</a:t>
-            </a:r>
-            <a:r>
-              <a:rPr lang="en-US" altLang="zh-CN" sz="2400"/>
-              <a:t>).</a:t>
-            </a:r>
-            <a:endParaRPr lang="en-US" altLang="zh-CN" sz="2400"/>
-          </a:p>
-          <a:p>
-            <a:pPr marL="0" indent="0" fontAlgn="auto">
-              <a:lnSpc>
-                <a:spcPct val="100000"/>
-              </a:lnSpc>
-              <a:buNone/>
-            </a:pPr>
-            <a:endParaRPr lang="zh-CN" altLang="en-US" sz="2400"/>
-          </a:p>
-          <a:p>
-            <a:pPr marL="0" indent="0" fontAlgn="auto">
-              <a:lnSpc>
-                <a:spcPct val="100000"/>
-              </a:lnSpc>
-              <a:buNone/>
-            </a:pPr>
-            <a:r>
-              <a:rPr lang="en-US" altLang="zh-CN" sz="2400"/>
-              <a:t>在Unity中通常可以使用叉乘来</a:t>
-            </a:r>
-            <a:r>
-              <a:rPr lang="en-US" altLang="zh-CN" sz="2400">
-                <a:solidFill>
-                  <a:srgbClr val="FF0000"/>
-                </a:solidFill>
-              </a:rPr>
-              <a:t>求出一个平面的法线</a:t>
-            </a:r>
-            <a:r>
-              <a:rPr lang="en-US" altLang="zh-CN" sz="2400"/>
-              <a:t>.</a:t>
-            </a:r>
-            <a:r>
-              <a:rPr lang="zh-CN" altLang="en-US" sz="2400"/>
-              <a:t>主要在图形渲染中运用比</a:t>
-            </a:r>
-            <a:endParaRPr lang="zh-CN" altLang="en-US" sz="2400"/>
-          </a:p>
-          <a:p>
-            <a:pPr marL="0" indent="0" fontAlgn="auto">
-              <a:lnSpc>
-                <a:spcPct val="100000"/>
-              </a:lnSpc>
-              <a:buNone/>
-            </a:pPr>
-            <a:r>
-              <a:rPr lang="zh-CN" altLang="en-US" sz="2400"/>
-              <a:t>较多</a:t>
-            </a:r>
-            <a:r>
-              <a:rPr lang="en-US" altLang="zh-CN" sz="2400"/>
-              <a:t>.</a:t>
-            </a:r>
-            <a:endParaRPr lang="en-US" altLang="zh-CN" sz="2400"/>
-          </a:p>
-          <a:p>
-            <a:pPr marL="0" indent="0" fontAlgn="auto">
-              <a:lnSpc>
-                <a:spcPct val="100000"/>
-              </a:lnSpc>
-              <a:buNone/>
-            </a:pPr>
-            <a:endParaRPr lang="en-US" altLang="zh-CN" sz="2400"/>
-          </a:p>
-          <a:p>
-            <a:pPr marL="0" indent="0" fontAlgn="auto">
-              <a:lnSpc>
-                <a:spcPct val="100000"/>
-              </a:lnSpc>
-              <a:buNone/>
-            </a:pPr>
-            <a:r>
-              <a:rPr lang="en-US" altLang="zh-CN" sz="2400" b="1">
-                <a:sym typeface="+mn-ea"/>
-              </a:rPr>
-              <a:t>法线</a:t>
-            </a:r>
-            <a:r>
-              <a:rPr lang="en-US" altLang="zh-CN" sz="2400">
-                <a:sym typeface="+mn-ea"/>
-              </a:rPr>
-              <a:t>:是指始终垂直于某平面的直线.</a:t>
-            </a:r>
-            <a:endParaRPr lang="en-US" altLang="zh-CN" sz="2400">
               <a:sym typeface="+mn-ea"/>
             </a:endParaRPr>
           </a:p>
           <a:p>
-            <a:pPr marL="0" indent="0">
-              <a:buNone/>
-            </a:pPr>
-            <a:endParaRPr lang="en-US" altLang="zh-CN" sz="2400">
-              <a:sym typeface="+mn-ea"/>
-            </a:endParaRPr>
-          </a:p>
-          <a:p>
-            <a:pPr marL="0" indent="0">
-              <a:buNone/>
-            </a:pPr>
-            <a:endParaRPr lang="en-US" altLang="zh-CN" sz="2400">
-              <a:sym typeface="+mn-ea"/>
-            </a:endParaRPr>
+            <a:endParaRPr lang="zh-CN" altLang="en-US" sz="2400"/>
           </a:p>
         </p:txBody>
       </p:sp>
       <p:pic>
         <p:nvPicPr>
-          <p:cNvPr id="2" name="图片 1"/>
+          <p:cNvPr id="4" name="图片 3"/>
           <p:cNvPicPr>
             <a:picLocks noChangeAspect="1"/>
           </p:cNvPicPr>
@@ -7637,8 +7507,8 @@
         </p:blipFill>
         <p:spPr>
           <a:xfrm>
-            <a:off x="2025650" y="2225675"/>
-            <a:ext cx="3962400" cy="1181100"/>
+            <a:off x="3672840" y="2132965"/>
+            <a:ext cx="4846320" cy="3527425"/>
           </a:xfrm>
           <a:prstGeom prst="rect">
             <a:avLst/>
@@ -8662,7 +8532,7 @@
               <a:rPr lang="zh-CN" altLang="en-US" sz="2000">
                 <a:sym typeface="+mn-ea"/>
               </a:rPr>
-              <a:t>默认状态</a:t>
+              <a:t>默 认状态</a:t>
             </a:r>
             <a:r>
               <a:rPr lang="en-US" altLang="zh-CN" sz="2000">
@@ -9227,6 +9097,18 @@
                 <a:sym typeface="+mn-ea"/>
               </a:rPr>
               <a:t>作为地图，有三条固定的路线</a:t>
+            </a:r>
+            <a:r>
+              <a:rPr lang="en-US" altLang="zh-CN" sz="2400">
+                <a:sym typeface="+mn-ea"/>
+              </a:rPr>
+              <a:t>, </a:t>
+            </a:r>
+            <a:r>
+              <a:rPr lang="zh-CN" altLang="en-US" sz="2400">
+                <a:sym typeface="+mn-ea"/>
+              </a:rPr>
+              <a:t>路线需求有弯道</a:t>
             </a:r>
             <a:endParaRPr lang="zh-CN" altLang="en-US" sz="2400">
               <a:sym typeface="+mn-ea"/>
